--- a/dapr3_lectures/dapr3_fa_lec/img_sandbox/diag_resid.pptx
+++ b/dapr3_lectures/dapr3_fa_lec/img_sandbox/diag_resid.pptx
@@ -104,6 +104,11 @@
       </a:defRPr>
     </a:lvl9pPr>
   </p:defaultTextStyle>
+  <p:extLst>
+    <p:ext uri="{EFAFB233-063F-42B5-8137-9DF3F51BA10A}">
+      <p15:sldGuideLst xmlns:p15="http://schemas.microsoft.com/office/powerpoint/2012/main"/>
+    </p:ext>
+  </p:extLst>
 </p:presentation>
 </file>
 
@@ -256,7 +261,7 @@
           <a:p>
             <a:fld id="{EE47B321-2C7E-47A9-91CD-8C6386380A21}" type="datetimeFigureOut">
               <a:rPr lang="en-GB" smtClean="0"/>
-              <a:t>05/11/2025</a:t>
+              <a:t>10/11/2025</a:t>
             </a:fld>
             <a:endParaRPr lang="en-GB"/>
           </a:p>
@@ -456,7 +461,7 @@
           <a:p>
             <a:fld id="{EE47B321-2C7E-47A9-91CD-8C6386380A21}" type="datetimeFigureOut">
               <a:rPr lang="en-GB" smtClean="0"/>
-              <a:t>05/11/2025</a:t>
+              <a:t>10/11/2025</a:t>
             </a:fld>
             <a:endParaRPr lang="en-GB"/>
           </a:p>
@@ -666,7 +671,7 @@
           <a:p>
             <a:fld id="{EE47B321-2C7E-47A9-91CD-8C6386380A21}" type="datetimeFigureOut">
               <a:rPr lang="en-GB" smtClean="0"/>
-              <a:t>05/11/2025</a:t>
+              <a:t>10/11/2025</a:t>
             </a:fld>
             <a:endParaRPr lang="en-GB"/>
           </a:p>
@@ -866,7 +871,7 @@
           <a:p>
             <a:fld id="{EE47B321-2C7E-47A9-91CD-8C6386380A21}" type="datetimeFigureOut">
               <a:rPr lang="en-GB" smtClean="0"/>
-              <a:t>05/11/2025</a:t>
+              <a:t>10/11/2025</a:t>
             </a:fld>
             <a:endParaRPr lang="en-GB"/>
           </a:p>
@@ -1142,7 +1147,7 @@
           <a:p>
             <a:fld id="{EE47B321-2C7E-47A9-91CD-8C6386380A21}" type="datetimeFigureOut">
               <a:rPr lang="en-GB" smtClean="0"/>
-              <a:t>05/11/2025</a:t>
+              <a:t>10/11/2025</a:t>
             </a:fld>
             <a:endParaRPr lang="en-GB"/>
           </a:p>
@@ -1410,7 +1415,7 @@
           <a:p>
             <a:fld id="{EE47B321-2C7E-47A9-91CD-8C6386380A21}" type="datetimeFigureOut">
               <a:rPr lang="en-GB" smtClean="0"/>
-              <a:t>05/11/2025</a:t>
+              <a:t>10/11/2025</a:t>
             </a:fld>
             <a:endParaRPr lang="en-GB"/>
           </a:p>
@@ -1825,7 +1830,7 @@
           <a:p>
             <a:fld id="{EE47B321-2C7E-47A9-91CD-8C6386380A21}" type="datetimeFigureOut">
               <a:rPr lang="en-GB" smtClean="0"/>
-              <a:t>05/11/2025</a:t>
+              <a:t>10/11/2025</a:t>
             </a:fld>
             <a:endParaRPr lang="en-GB"/>
           </a:p>
@@ -1967,7 +1972,7 @@
           <a:p>
             <a:fld id="{EE47B321-2C7E-47A9-91CD-8C6386380A21}" type="datetimeFigureOut">
               <a:rPr lang="en-GB" smtClean="0"/>
-              <a:t>05/11/2025</a:t>
+              <a:t>10/11/2025</a:t>
             </a:fld>
             <a:endParaRPr lang="en-GB"/>
           </a:p>
@@ -2080,7 +2085,7 @@
           <a:p>
             <a:fld id="{EE47B321-2C7E-47A9-91CD-8C6386380A21}" type="datetimeFigureOut">
               <a:rPr lang="en-GB" smtClean="0"/>
-              <a:t>05/11/2025</a:t>
+              <a:t>10/11/2025</a:t>
             </a:fld>
             <a:endParaRPr lang="en-GB"/>
           </a:p>
@@ -2393,7 +2398,7 @@
           <a:p>
             <a:fld id="{EE47B321-2C7E-47A9-91CD-8C6386380A21}" type="datetimeFigureOut">
               <a:rPr lang="en-GB" smtClean="0"/>
-              <a:t>05/11/2025</a:t>
+              <a:t>10/11/2025</a:t>
             </a:fld>
             <a:endParaRPr lang="en-GB"/>
           </a:p>
@@ -2682,7 +2687,7 @@
           <a:p>
             <a:fld id="{EE47B321-2C7E-47A9-91CD-8C6386380A21}" type="datetimeFigureOut">
               <a:rPr lang="en-GB" smtClean="0"/>
-              <a:t>05/11/2025</a:t>
+              <a:t>10/11/2025</a:t>
             </a:fld>
             <a:endParaRPr lang="en-GB"/>
           </a:p>
@@ -2925,7 +2930,7 @@
           <a:p>
             <a:fld id="{EE47B321-2C7E-47A9-91CD-8C6386380A21}" type="datetimeFigureOut">
               <a:rPr lang="en-GB" smtClean="0"/>
-              <a:t>05/11/2025</a:t>
+              <a:t>10/11/2025</a:t>
             </a:fld>
             <a:endParaRPr lang="en-GB"/>
           </a:p>
@@ -3356,7 +3361,7 @@
         </p:nvGrpSpPr>
         <p:grpSpPr>
           <a:xfrm>
-            <a:off x="390950" y="3499705"/>
+            <a:off x="609520" y="3499705"/>
             <a:ext cx="4925112" cy="2486372"/>
             <a:chOff x="560044" y="3591280"/>
             <a:chExt cx="4925112" cy="2486372"/>
@@ -3745,10 +3750,10 @@
         </p:nvGrpSpPr>
         <p:grpSpPr>
           <a:xfrm>
-            <a:off x="479791" y="361222"/>
-            <a:ext cx="5200099" cy="2486372"/>
-            <a:chOff x="430315" y="678747"/>
-            <a:chExt cx="5200099" cy="2486372"/>
+            <a:off x="609520" y="361222"/>
+            <a:ext cx="5070370" cy="2486372"/>
+            <a:chOff x="560044" y="678747"/>
+            <a:chExt cx="5070370" cy="2486372"/>
           </a:xfrm>
         </p:grpSpPr>
         <p:pic>
@@ -3904,60 +3909,6 @@
           <p:spPr>
             <a:xfrm>
               <a:off x="5218872" y="2503347"/>
-              <a:ext cx="411541" cy="426346"/>
-            </a:xfrm>
-            <a:prstGeom prst="arc">
-              <a:avLst>
-                <a:gd name="adj1" fmla="val 12984000"/>
-                <a:gd name="adj2" fmla="val 8471895"/>
-              </a:avLst>
-            </a:prstGeom>
-            <a:ln w="19050">
-              <a:solidFill>
-                <a:schemeClr val="tx1"/>
-              </a:solidFill>
-              <a:headEnd type="triangle" w="med" len="med"/>
-              <a:tailEnd type="triangle" w="med" len="med"/>
-            </a:ln>
-          </p:spPr>
-          <p:style>
-            <a:lnRef idx="1">
-              <a:schemeClr val="accent1"/>
-            </a:lnRef>
-            <a:fillRef idx="0">
-              <a:schemeClr val="accent1"/>
-            </a:fillRef>
-            <a:effectRef idx="0">
-              <a:schemeClr val="accent1"/>
-            </a:effectRef>
-            <a:fontRef idx="minor">
-              <a:schemeClr val="tx1"/>
-            </a:fontRef>
-          </p:style>
-          <p:txBody>
-            <a:bodyPr rtlCol="0" anchor="ctr"/>
-            <a:lstStyle/>
-            <a:p>
-              <a:pPr algn="ctr"/>
-              <a:endParaRPr lang="en-GB"/>
-            </a:p>
-          </p:txBody>
-        </p:sp>
-        <p:sp>
-          <p:nvSpPr>
-            <p:cNvPr id="23" name="Arc 22">
-              <a:extLst>
-                <a:ext uri="{FF2B5EF4-FFF2-40B4-BE49-F238E27FC236}">
-                  <a16:creationId xmlns:a16="http://schemas.microsoft.com/office/drawing/2014/main" id="{856F1686-8590-43D7-9A12-856B71BE33AC}"/>
-                </a:ext>
-              </a:extLst>
-            </p:cNvPr>
-            <p:cNvSpPr/>
-            <p:nvPr/>
-          </p:nvSpPr>
-          <p:spPr>
-            <a:xfrm rot="13195196">
-              <a:off x="430315" y="1413223"/>
               <a:ext cx="411541" cy="426346"/>
             </a:xfrm>
             <a:prstGeom prst="arc">
